--- a/notebooks/Steeze/스타트업 성공 예측.pptx
+++ b/notebooks/Steeze/스타트업 성공 예측.pptx
@@ -5,7 +5,7 @@
     <p:sldMasterId id="2147483648" r:id="rId1"/>
   </p:sldMasterIdLst>
   <p:notesMasterIdLst>
-    <p:notesMasterId r:id="rId12"/>
+    <p:notesMasterId r:id="rId19"/>
   </p:notesMasterIdLst>
   <p:sldIdLst>
     <p:sldId id="256" r:id="rId2"/>
@@ -18,6 +18,13 @@
     <p:sldId id="263" r:id="rId9"/>
     <p:sldId id="264" r:id="rId10"/>
     <p:sldId id="265" r:id="rId11"/>
+    <p:sldId id="267" r:id="rId12"/>
+    <p:sldId id="266" r:id="rId13"/>
+    <p:sldId id="268" r:id="rId14"/>
+    <p:sldId id="269" r:id="rId15"/>
+    <p:sldId id="270" r:id="rId16"/>
+    <p:sldId id="271" r:id="rId17"/>
+    <p:sldId id="272" r:id="rId18"/>
   </p:sldIdLst>
   <p:sldSz cx="12192000" cy="6858000"/>
   <p:notesSz cx="6858000" cy="9144000"/>
@@ -116,6 +123,11 @@
       </a:defRPr>
     </a:lvl9pPr>
   </p:defaultTextStyle>
+  <p:extLst>
+    <p:ext uri="{EFAFB233-063F-42B5-8137-9DF3F51BA10A}">
+      <p15:sldGuideLst xmlns:p15="http://schemas.microsoft.com/office/powerpoint/2012/main"/>
+    </p:ext>
+  </p:extLst>
 </p:presentation>
 </file>
 
@@ -4006,6 +4018,1917 @@
     <p:extLst>
       <p:ext uri="{BB962C8B-B14F-4D97-AF65-F5344CB8AC3E}">
         <p14:creationId xmlns:p14="http://schemas.microsoft.com/office/powerpoint/2010/main" val="2057562893"/>
+      </p:ext>
+    </p:extLst>
+  </p:cSld>
+  <p:clrMapOvr>
+    <a:masterClrMapping/>
+  </p:clrMapOvr>
+</p:sld>
+</file>
+
+<file path=ppt/slides/slide11.xml><?xml version="1.0" encoding="utf-8"?>
+<p:sld xmlns:a="http://schemas.openxmlformats.org/drawingml/2006/main" xmlns:r="http://schemas.openxmlformats.org/officeDocument/2006/relationships" xmlns:p="http://schemas.openxmlformats.org/presentationml/2006/main">
+  <p:cSld>
+    <p:spTree>
+      <p:nvGrpSpPr>
+        <p:cNvPr id="1" name=""/>
+        <p:cNvGrpSpPr/>
+        <p:nvPr/>
+      </p:nvGrpSpPr>
+      <p:grpSpPr>
+        <a:xfrm>
+          <a:off x="0" y="0"/>
+          <a:ext cx="0" cy="0"/>
+          <a:chOff x="0" y="0"/>
+          <a:chExt cx="0" cy="0"/>
+        </a:xfrm>
+      </p:grpSpPr>
+      <p:sp>
+        <p:nvSpPr>
+          <p:cNvPr id="2" name="제목 1">
+            <a:extLst>
+              <a:ext uri="{FF2B5EF4-FFF2-40B4-BE49-F238E27FC236}">
+                <a16:creationId xmlns:a16="http://schemas.microsoft.com/office/drawing/2014/main" id="{92CCDA82-F28F-5CBC-85C5-94242C983387}"/>
+              </a:ext>
+            </a:extLst>
+          </p:cNvPr>
+          <p:cNvSpPr>
+            <a:spLocks noGrp="1"/>
+          </p:cNvSpPr>
+          <p:nvPr>
+            <p:ph type="title"/>
+          </p:nvPr>
+        </p:nvSpPr>
+        <p:spPr>
+          <a:xfrm>
+            <a:off x="5401056" y="2162238"/>
+            <a:ext cx="1389888" cy="2533523"/>
+          </a:xfrm>
+        </p:spPr>
+        <p:txBody>
+          <a:bodyPr>
+            <a:noAutofit/>
+          </a:bodyPr>
+          <a:lstStyle/>
+          <a:p>
+            <a:pPr algn="ctr">
+              <a:lnSpc>
+                <a:spcPct val="100000"/>
+              </a:lnSpc>
+            </a:pPr>
+            <a:r>
+              <a:rPr lang="en-US" altLang="ko-KR" sz="14900" b="1" dirty="0"/>
+              <a:t>2</a:t>
+            </a:r>
+            <a:endParaRPr lang="ko-KR" altLang="en-US" sz="14900" b="1" dirty="0"/>
+          </a:p>
+        </p:txBody>
+      </p:sp>
+    </p:spTree>
+    <p:extLst>
+      <p:ext uri="{BB962C8B-B14F-4D97-AF65-F5344CB8AC3E}">
+        <p14:creationId xmlns:p14="http://schemas.microsoft.com/office/powerpoint/2010/main" val="4069529478"/>
+      </p:ext>
+    </p:extLst>
+  </p:cSld>
+  <p:clrMapOvr>
+    <a:masterClrMapping/>
+  </p:clrMapOvr>
+</p:sld>
+</file>
+
+<file path=ppt/slides/slide12.xml><?xml version="1.0" encoding="utf-8"?>
+<p:sld xmlns:a="http://schemas.openxmlformats.org/drawingml/2006/main" xmlns:r="http://schemas.openxmlformats.org/officeDocument/2006/relationships" xmlns:p="http://schemas.openxmlformats.org/presentationml/2006/main">
+  <p:cSld>
+    <p:spTree>
+      <p:nvGrpSpPr>
+        <p:cNvPr id="1" name=""/>
+        <p:cNvGrpSpPr/>
+        <p:nvPr/>
+      </p:nvGrpSpPr>
+      <p:grpSpPr>
+        <a:xfrm>
+          <a:off x="0" y="0"/>
+          <a:ext cx="0" cy="0"/>
+          <a:chOff x="0" y="0"/>
+          <a:chExt cx="0" cy="0"/>
+        </a:xfrm>
+      </p:grpSpPr>
+      <p:sp>
+        <p:nvSpPr>
+          <p:cNvPr id="3" name="내용 개체 틀 2">
+            <a:extLst>
+              <a:ext uri="{FF2B5EF4-FFF2-40B4-BE49-F238E27FC236}">
+                <a16:creationId xmlns:a16="http://schemas.microsoft.com/office/drawing/2014/main" id="{B8012F13-CABF-9C43-5961-BF1A40EC8CC7}"/>
+              </a:ext>
+            </a:extLst>
+          </p:cNvPr>
+          <p:cNvSpPr>
+            <a:spLocks noGrp="1"/>
+          </p:cNvSpPr>
+          <p:nvPr>
+            <p:ph idx="1"/>
+          </p:nvPr>
+        </p:nvSpPr>
+        <p:spPr/>
+        <p:txBody>
+          <a:bodyPr/>
+          <a:lstStyle/>
+          <a:p>
+            <a:pPr marL="0" indent="0">
+              <a:buNone/>
+            </a:pPr>
+            <a:r>
+              <a:rPr lang="ko-KR" altLang="en-US" b="0" i="0" dirty="0" err="1">
+                <a:solidFill>
+                  <a:srgbClr val="1F1F1F"/>
+                </a:solidFill>
+                <a:effectLst/>
+                <a:latin typeface="Google Sans Text"/>
+              </a:rPr>
+              <a:t>스타트업은</a:t>
+            </a:r>
+            <a:r>
+              <a:rPr lang="ko-KR" altLang="en-US" b="0" i="0" dirty="0">
+                <a:solidFill>
+                  <a:srgbClr val="1F1F1F"/>
+                </a:solidFill>
+                <a:effectLst/>
+                <a:latin typeface="Google Sans Text"/>
+              </a:rPr>
+              <a:t> 혁신과 경제 성장의 동력이지만 실패율이 높아 투자 의사결정이 어려움</a:t>
+            </a:r>
+            <a:endParaRPr lang="en-US" altLang="ko-KR" b="0" i="0" dirty="0">
+              <a:solidFill>
+                <a:srgbClr val="1F1F1F"/>
+              </a:solidFill>
+              <a:effectLst/>
+              <a:latin typeface="Google Sans Text"/>
+            </a:endParaRPr>
+          </a:p>
+          <a:p>
+            <a:pPr marL="0" indent="0">
+              <a:buNone/>
+            </a:pPr>
+            <a:r>
+              <a:rPr lang="ko-KR" altLang="en-US" b="0" i="0" dirty="0">
+                <a:solidFill>
+                  <a:srgbClr val="1F1F1F"/>
+                </a:solidFill>
+                <a:effectLst/>
+                <a:latin typeface="Google Sans Text"/>
+              </a:rPr>
+              <a:t>이에 </a:t>
+            </a:r>
+            <a:r>
+              <a:rPr lang="ko-KR" altLang="en-US" b="0" i="0" dirty="0" err="1">
+                <a:solidFill>
+                  <a:srgbClr val="1F1F1F"/>
+                </a:solidFill>
+                <a:effectLst/>
+                <a:latin typeface="Google Sans Text"/>
+              </a:rPr>
+              <a:t>스타트업의</a:t>
+            </a:r>
+            <a:r>
+              <a:rPr lang="ko-KR" altLang="en-US" b="0" i="0" dirty="0">
+                <a:solidFill>
+                  <a:srgbClr val="1F1F1F"/>
+                </a:solidFill>
+                <a:effectLst/>
+                <a:latin typeface="Google Sans Text"/>
+              </a:rPr>
+              <a:t> 성공 가능성을 예측하는 모델의 필요성이 커지고 있</a:t>
+            </a:r>
+            <a:r>
+              <a:rPr lang="ko-KR" altLang="en-US" dirty="0">
+                <a:solidFill>
+                  <a:srgbClr val="1F1F1F"/>
+                </a:solidFill>
+                <a:latin typeface="Google Sans Text"/>
+              </a:rPr>
+              <a:t>음</a:t>
+            </a:r>
+            <a:endParaRPr lang="en-US" altLang="ko-KR" dirty="0">
+              <a:solidFill>
+                <a:srgbClr val="1F1F1F"/>
+              </a:solidFill>
+              <a:latin typeface="Google Sans Text"/>
+            </a:endParaRPr>
+          </a:p>
+          <a:p>
+            <a:pPr marL="0" indent="0">
+              <a:buNone/>
+            </a:pPr>
+            <a:endParaRPr lang="en-US" altLang="ko-KR" dirty="0">
+              <a:solidFill>
+                <a:srgbClr val="1F1F1F"/>
+              </a:solidFill>
+              <a:latin typeface="Google Sans Text"/>
+            </a:endParaRPr>
+          </a:p>
+          <a:p>
+            <a:pPr marL="0" indent="0">
+              <a:buNone/>
+            </a:pPr>
+            <a:r>
+              <a:rPr lang="en-US" altLang="ko-KR" b="0" i="0" dirty="0">
+                <a:solidFill>
+                  <a:srgbClr val="1F1F1F"/>
+                </a:solidFill>
+                <a:effectLst/>
+                <a:latin typeface="Google Sans Text"/>
+              </a:rPr>
+              <a:t>Crunchbase </a:t>
+            </a:r>
+            <a:r>
+              <a:rPr lang="ko-KR" altLang="en-US" b="0" i="0" dirty="0">
+                <a:solidFill>
+                  <a:srgbClr val="1F1F1F"/>
+                </a:solidFill>
+                <a:effectLst/>
+                <a:latin typeface="Google Sans Text"/>
+              </a:rPr>
+              <a:t>스타트업 데이터를 활용하여 기업의 상태를 예측하는 </a:t>
+            </a:r>
+            <a:r>
+              <a:rPr lang="ko-KR" altLang="en-US" b="0" i="0" dirty="0" err="1">
+                <a:solidFill>
+                  <a:srgbClr val="1F1F1F"/>
+                </a:solidFill>
+                <a:effectLst/>
+                <a:latin typeface="Google Sans Text"/>
+              </a:rPr>
+              <a:t>머신러닝</a:t>
+            </a:r>
+            <a:r>
+              <a:rPr lang="ko-KR" altLang="en-US" b="0" i="0" dirty="0">
+                <a:solidFill>
+                  <a:srgbClr val="1F1F1F"/>
+                </a:solidFill>
+                <a:effectLst/>
+                <a:latin typeface="Google Sans Text"/>
+              </a:rPr>
+              <a:t> 기반 다중 분류 모델을 구축하는 것</a:t>
+            </a:r>
+            <a:endParaRPr lang="en-US" altLang="ko-KR" dirty="0">
+              <a:solidFill>
+                <a:srgbClr val="1F1F1F"/>
+              </a:solidFill>
+              <a:latin typeface="Google Sans Text"/>
+            </a:endParaRPr>
+          </a:p>
+          <a:p>
+            <a:pPr marL="0" indent="0">
+              <a:buNone/>
+            </a:pPr>
+            <a:endParaRPr lang="en-US" altLang="ko-KR" dirty="0">
+              <a:solidFill>
+                <a:srgbClr val="1F1F1F"/>
+              </a:solidFill>
+              <a:latin typeface="Google Sans Text"/>
+            </a:endParaRPr>
+          </a:p>
+          <a:p>
+            <a:pPr marL="0" indent="0">
+              <a:buNone/>
+            </a:pPr>
+            <a:endParaRPr lang="ko-KR" altLang="en-US" dirty="0"/>
+          </a:p>
+        </p:txBody>
+      </p:sp>
+      <p:sp>
+        <p:nvSpPr>
+          <p:cNvPr id="4" name="TextBox 3">
+            <a:extLst>
+              <a:ext uri="{FF2B5EF4-FFF2-40B4-BE49-F238E27FC236}">
+                <a16:creationId xmlns:a16="http://schemas.microsoft.com/office/drawing/2014/main" id="{965E54D6-1395-D13A-8647-801DB0958F66}"/>
+              </a:ext>
+            </a:extLst>
+          </p:cNvPr>
+          <p:cNvSpPr txBox="1"/>
+          <p:nvPr/>
+        </p:nvSpPr>
+        <p:spPr>
+          <a:xfrm>
+            <a:off x="838200" y="681037"/>
+            <a:ext cx="1313180" cy="769441"/>
+          </a:xfrm>
+          <a:prstGeom prst="rect">
+            <a:avLst/>
+          </a:prstGeom>
+          <a:noFill/>
+        </p:spPr>
+        <p:txBody>
+          <a:bodyPr wrap="none" rtlCol="0">
+            <a:spAutoFit/>
+          </a:bodyPr>
+          <a:lstStyle/>
+          <a:p>
+            <a:r>
+              <a:rPr lang="ko-KR" altLang="en-US" sz="4400" b="1" dirty="0"/>
+              <a:t>소개</a:t>
+            </a:r>
+          </a:p>
+        </p:txBody>
+      </p:sp>
+    </p:spTree>
+    <p:extLst>
+      <p:ext uri="{BB962C8B-B14F-4D97-AF65-F5344CB8AC3E}">
+        <p14:creationId xmlns:p14="http://schemas.microsoft.com/office/powerpoint/2010/main" val="2803048177"/>
+      </p:ext>
+    </p:extLst>
+  </p:cSld>
+  <p:clrMapOvr>
+    <a:masterClrMapping/>
+  </p:clrMapOvr>
+</p:sld>
+</file>
+
+<file path=ppt/slides/slide13.xml><?xml version="1.0" encoding="utf-8"?>
+<p:sld xmlns:a="http://schemas.openxmlformats.org/drawingml/2006/main" xmlns:r="http://schemas.openxmlformats.org/officeDocument/2006/relationships" xmlns:p="http://schemas.openxmlformats.org/presentationml/2006/main">
+  <p:cSld>
+    <p:spTree>
+      <p:nvGrpSpPr>
+        <p:cNvPr id="1" name=""/>
+        <p:cNvGrpSpPr/>
+        <p:nvPr/>
+      </p:nvGrpSpPr>
+      <p:grpSpPr>
+        <a:xfrm>
+          <a:off x="0" y="0"/>
+          <a:ext cx="0" cy="0"/>
+          <a:chOff x="0" y="0"/>
+          <a:chExt cx="0" cy="0"/>
+        </a:xfrm>
+      </p:grpSpPr>
+      <p:sp>
+        <p:nvSpPr>
+          <p:cNvPr id="3" name="내용 개체 틀 2">
+            <a:extLst>
+              <a:ext uri="{FF2B5EF4-FFF2-40B4-BE49-F238E27FC236}">
+                <a16:creationId xmlns:a16="http://schemas.microsoft.com/office/drawing/2014/main" id="{16D54417-6206-BF01-3837-13D808D677A6}"/>
+              </a:ext>
+            </a:extLst>
+          </p:cNvPr>
+          <p:cNvSpPr>
+            <a:spLocks noGrp="1"/>
+          </p:cNvSpPr>
+          <p:nvPr>
+            <p:ph idx="1"/>
+          </p:nvPr>
+        </p:nvSpPr>
+        <p:spPr/>
+        <p:txBody>
+          <a:bodyPr/>
+          <a:lstStyle/>
+          <a:p>
+            <a:pPr marL="0" indent="0">
+              <a:buNone/>
+            </a:pPr>
+            <a:r>
+              <a:rPr lang="en-US" altLang="ko-KR" dirty="0"/>
+              <a:t>Kaggle</a:t>
+            </a:r>
+            <a:r>
+              <a:rPr lang="ko-KR" altLang="en-US" dirty="0"/>
+              <a:t>의 </a:t>
+            </a:r>
+            <a:r>
+              <a:rPr lang="en-US" altLang="ko-KR" dirty="0"/>
+              <a:t>Crunchbase </a:t>
+            </a:r>
+            <a:r>
+              <a:rPr lang="ko-KR" altLang="en-US" dirty="0"/>
+              <a:t>스타트업 투자 데이터와</a:t>
+            </a:r>
+            <a:endParaRPr lang="en-US" altLang="ko-KR" dirty="0"/>
+          </a:p>
+          <a:p>
+            <a:pPr marL="0" indent="0">
+              <a:buNone/>
+            </a:pPr>
+            <a:r>
+              <a:rPr lang="ko-KR" altLang="en-US" dirty="0"/>
+              <a:t>외교부 국가표준코드 데이터를 사용</a:t>
+            </a:r>
+            <a:endParaRPr lang="en-US" altLang="ko-KR" dirty="0"/>
+          </a:p>
+          <a:p>
+            <a:pPr marL="0" indent="0">
+              <a:buNone/>
+            </a:pPr>
+            <a:endParaRPr lang="en-US" altLang="ko-KR" dirty="0"/>
+          </a:p>
+          <a:p>
+            <a:pPr marL="0" indent="0">
+              <a:buNone/>
+            </a:pPr>
+            <a:r>
+              <a:rPr lang="ko-KR" altLang="en-US" dirty="0"/>
+              <a:t>총 </a:t>
+            </a:r>
+            <a:r>
+              <a:rPr lang="en-US" altLang="ko-KR" dirty="0"/>
+              <a:t>39</a:t>
+            </a:r>
+            <a:r>
+              <a:rPr lang="ko-KR" altLang="en-US" dirty="0"/>
+              <a:t>개 변수</a:t>
+            </a:r>
+            <a:r>
+              <a:rPr lang="en-US" altLang="ko-KR" dirty="0"/>
+              <a:t>, 54294</a:t>
+            </a:r>
+            <a:r>
+              <a:rPr lang="ko-KR" altLang="en-US" dirty="0"/>
+              <a:t>개 데이터로 구성</a:t>
+            </a:r>
+            <a:endParaRPr lang="en-US" altLang="ko-KR" dirty="0"/>
+          </a:p>
+          <a:p>
+            <a:pPr marL="0" indent="0">
+              <a:buNone/>
+            </a:pPr>
+            <a:r>
+              <a:rPr lang="en-US" altLang="ko-KR" dirty="0"/>
+              <a:t>status </a:t>
+            </a:r>
+            <a:r>
+              <a:rPr lang="ko-KR" altLang="en-US" dirty="0"/>
+              <a:t>변수가 예측 대상</a:t>
+            </a:r>
+            <a:endParaRPr lang="en-US" altLang="ko-KR" dirty="0"/>
+          </a:p>
+          <a:p>
+            <a:pPr marL="0" indent="0">
+              <a:buNone/>
+            </a:pPr>
+            <a:endParaRPr lang="en-US" altLang="ko-KR" dirty="0"/>
+          </a:p>
+          <a:p>
+            <a:pPr marL="0" indent="0">
+              <a:buNone/>
+            </a:pPr>
+            <a:r>
+              <a:rPr lang="ko-KR" altLang="en-US" dirty="0"/>
+              <a:t>주요 분석 변수는 </a:t>
+            </a:r>
+            <a:r>
+              <a:rPr lang="en-US" altLang="ko-KR" dirty="0" err="1"/>
+              <a:t>category_list</a:t>
+            </a:r>
+            <a:r>
+              <a:rPr lang="en-US" altLang="ko-KR" dirty="0"/>
+              <a:t>, market, </a:t>
+            </a:r>
+            <a:r>
+              <a:rPr lang="en-US" altLang="ko-KR" dirty="0" err="1"/>
+              <a:t>funding_total_usd</a:t>
+            </a:r>
+            <a:r>
+              <a:rPr lang="en-US" altLang="ko-KR" dirty="0"/>
+              <a:t>, </a:t>
+            </a:r>
+            <a:r>
+              <a:rPr lang="en-US" altLang="ko-KR" dirty="0" err="1"/>
+              <a:t>funding_rounds</a:t>
+            </a:r>
+            <a:r>
+              <a:rPr lang="en-US" altLang="ko-KR" dirty="0"/>
+              <a:t>, </a:t>
+            </a:r>
+            <a:r>
+              <a:rPr lang="en-US" altLang="ko-KR" dirty="0" err="1"/>
+              <a:t>country_code</a:t>
+            </a:r>
+            <a:r>
+              <a:rPr lang="en-US" altLang="ko-KR" dirty="0"/>
+              <a:t>, </a:t>
+            </a:r>
+            <a:r>
+              <a:rPr lang="en-US" altLang="ko-KR" dirty="0" err="1"/>
+              <a:t>state_code</a:t>
+            </a:r>
+            <a:r>
+              <a:rPr lang="en-US" altLang="ko-KR" dirty="0"/>
+              <a:t>, status </a:t>
+            </a:r>
+            <a:r>
+              <a:rPr lang="ko-KR" altLang="en-US" dirty="0"/>
+              <a:t>등</a:t>
+            </a:r>
+          </a:p>
+        </p:txBody>
+      </p:sp>
+      <p:sp>
+        <p:nvSpPr>
+          <p:cNvPr id="5" name="TextBox 4">
+            <a:extLst>
+              <a:ext uri="{FF2B5EF4-FFF2-40B4-BE49-F238E27FC236}">
+                <a16:creationId xmlns:a16="http://schemas.microsoft.com/office/drawing/2014/main" id="{B815E874-ED19-278C-29E0-06A704BDCC25}"/>
+              </a:ext>
+            </a:extLst>
+          </p:cNvPr>
+          <p:cNvSpPr txBox="1"/>
+          <p:nvPr/>
+        </p:nvSpPr>
+        <p:spPr>
+          <a:xfrm>
+            <a:off x="838200" y="681037"/>
+            <a:ext cx="1877437" cy="769441"/>
+          </a:xfrm>
+          <a:prstGeom prst="rect">
+            <a:avLst/>
+          </a:prstGeom>
+          <a:noFill/>
+        </p:spPr>
+        <p:txBody>
+          <a:bodyPr wrap="none" rtlCol="0">
+            <a:spAutoFit/>
+          </a:bodyPr>
+          <a:lstStyle/>
+          <a:p>
+            <a:r>
+              <a:rPr lang="ko-KR" altLang="en-US" sz="4400" b="1"/>
+              <a:t>데이터</a:t>
+            </a:r>
+            <a:endParaRPr lang="ko-KR" altLang="en-US" sz="4400" b="1" dirty="0"/>
+          </a:p>
+        </p:txBody>
+      </p:sp>
+    </p:spTree>
+    <p:extLst>
+      <p:ext uri="{BB962C8B-B14F-4D97-AF65-F5344CB8AC3E}">
+        <p14:creationId xmlns:p14="http://schemas.microsoft.com/office/powerpoint/2010/main" val="1478993004"/>
+      </p:ext>
+    </p:extLst>
+  </p:cSld>
+  <p:clrMapOvr>
+    <a:masterClrMapping/>
+  </p:clrMapOvr>
+</p:sld>
+</file>
+
+<file path=ppt/slides/slide14.xml><?xml version="1.0" encoding="utf-8"?>
+<p:sld xmlns:a="http://schemas.openxmlformats.org/drawingml/2006/main" xmlns:r="http://schemas.openxmlformats.org/officeDocument/2006/relationships" xmlns:p="http://schemas.openxmlformats.org/presentationml/2006/main">
+  <p:cSld>
+    <p:spTree>
+      <p:nvGrpSpPr>
+        <p:cNvPr id="1" name=""/>
+        <p:cNvGrpSpPr/>
+        <p:nvPr/>
+      </p:nvGrpSpPr>
+      <p:grpSpPr>
+        <a:xfrm>
+          <a:off x="0" y="0"/>
+          <a:ext cx="0" cy="0"/>
+          <a:chOff x="0" y="0"/>
+          <a:chExt cx="0" cy="0"/>
+        </a:xfrm>
+      </p:grpSpPr>
+      <p:sp>
+        <p:nvSpPr>
+          <p:cNvPr id="3" name="내용 개체 틀 2">
+            <a:extLst>
+              <a:ext uri="{FF2B5EF4-FFF2-40B4-BE49-F238E27FC236}">
+                <a16:creationId xmlns:a16="http://schemas.microsoft.com/office/drawing/2014/main" id="{09D072C1-CD77-FAA3-6C0C-1EF1E8642D82}"/>
+              </a:ext>
+            </a:extLst>
+          </p:cNvPr>
+          <p:cNvSpPr>
+            <a:spLocks noGrp="1"/>
+          </p:cNvSpPr>
+          <p:nvPr>
+            <p:ph idx="1"/>
+          </p:nvPr>
+        </p:nvSpPr>
+        <p:spPr/>
+        <p:txBody>
+          <a:bodyPr/>
+          <a:lstStyle/>
+          <a:p>
+            <a:pPr marL="0" indent="0">
+              <a:buNone/>
+            </a:pPr>
+            <a:r>
+              <a:rPr lang="ko-KR" altLang="en-US" dirty="0"/>
+              <a:t>주요 변수 기준 </a:t>
+            </a:r>
+            <a:r>
+              <a:rPr lang="ko-KR" altLang="en-US" dirty="0" err="1"/>
+              <a:t>결측치를</a:t>
+            </a:r>
+            <a:r>
+              <a:rPr lang="ko-KR" altLang="en-US" dirty="0"/>
+              <a:t> 제거하고</a:t>
+            </a:r>
+            <a:r>
+              <a:rPr lang="en-US" altLang="ko-KR" dirty="0"/>
+              <a:t>,</a:t>
+            </a:r>
+            <a:r>
+              <a:rPr lang="ko-KR" altLang="en-US" dirty="0"/>
+              <a:t>분석에 사용하지 않는 식별자 변수</a:t>
+            </a:r>
+            <a:r>
+              <a:rPr lang="en-US" altLang="ko-KR" dirty="0"/>
+              <a:t>(</a:t>
+            </a:r>
+            <a:r>
+              <a:rPr lang="en-US" altLang="ko-KR" dirty="0" err="1"/>
+              <a:t>homepage_url</a:t>
+            </a:r>
+            <a:r>
+              <a:rPr lang="en-US" altLang="ko-KR" dirty="0"/>
+              <a:t>, permalink </a:t>
+            </a:r>
+            <a:r>
+              <a:rPr lang="ko-KR" altLang="en-US" dirty="0"/>
+              <a:t>등</a:t>
+            </a:r>
+            <a:r>
+              <a:rPr lang="en-US" altLang="ko-KR" dirty="0"/>
+              <a:t>)</a:t>
+            </a:r>
+            <a:r>
+              <a:rPr lang="ko-KR" altLang="en-US" dirty="0"/>
+              <a:t>는 제거</a:t>
+            </a:r>
+            <a:endParaRPr lang="en-US" altLang="ko-KR" dirty="0"/>
+          </a:p>
+          <a:p>
+            <a:pPr marL="0" indent="0">
+              <a:buNone/>
+            </a:pPr>
+            <a:endParaRPr lang="en-US" altLang="ko-KR" dirty="0"/>
+          </a:p>
+          <a:p>
+            <a:pPr marL="0" indent="0">
+              <a:buNone/>
+            </a:pPr>
+            <a:r>
+              <a:rPr lang="ko-KR" altLang="en-US" dirty="0"/>
+              <a:t>문자열 형태의 투자 금액</a:t>
+            </a:r>
+            <a:r>
+              <a:rPr lang="en-US" altLang="ko-KR" dirty="0"/>
+              <a:t>(</a:t>
+            </a:r>
+            <a:r>
+              <a:rPr lang="en-US" altLang="ko-KR" dirty="0" err="1"/>
+              <a:t>funding_total_usd</a:t>
+            </a:r>
+            <a:r>
+              <a:rPr lang="en-US" altLang="ko-KR" dirty="0"/>
+              <a:t>)</a:t>
+            </a:r>
+            <a:r>
+              <a:rPr lang="ko-KR" altLang="en-US" dirty="0"/>
+              <a:t>을 숫자형으로 변환</a:t>
+            </a:r>
+            <a:endParaRPr lang="en-US" altLang="ko-KR" dirty="0"/>
+          </a:p>
+          <a:p>
+            <a:pPr marL="0" indent="0">
+              <a:buNone/>
+            </a:pPr>
+            <a:endParaRPr lang="en-US" altLang="ko-KR" dirty="0"/>
+          </a:p>
+          <a:p>
+            <a:pPr marL="0" indent="0">
+              <a:buNone/>
+            </a:pPr>
+            <a:r>
+              <a:rPr lang="en-US" altLang="ko-KR" dirty="0" err="1"/>
+              <a:t>funding_total_usd</a:t>
+            </a:r>
+            <a:r>
+              <a:rPr lang="en-US" altLang="ko-KR" dirty="0"/>
+              <a:t> </a:t>
+            </a:r>
+            <a:r>
+              <a:rPr lang="ko-KR" altLang="en-US" dirty="0"/>
+              <a:t>기반의 </a:t>
+            </a:r>
+            <a:r>
+              <a:rPr lang="en-US" altLang="ko-KR" dirty="0" err="1"/>
+              <a:t>total_investment</a:t>
+            </a:r>
+            <a:r>
+              <a:rPr lang="en-US" altLang="ko-KR" dirty="0"/>
+              <a:t> </a:t>
+            </a:r>
+            <a:r>
+              <a:rPr lang="ko-KR" altLang="en-US" dirty="0"/>
+              <a:t>변수는 구간별 범주형으로 변환</a:t>
+            </a:r>
+          </a:p>
+        </p:txBody>
+      </p:sp>
+      <p:sp>
+        <p:nvSpPr>
+          <p:cNvPr id="5" name="TextBox 4">
+            <a:extLst>
+              <a:ext uri="{FF2B5EF4-FFF2-40B4-BE49-F238E27FC236}">
+                <a16:creationId xmlns:a16="http://schemas.microsoft.com/office/drawing/2014/main" id="{5CD83B75-7BEA-EB4B-37D5-DF45990B4975}"/>
+              </a:ext>
+            </a:extLst>
+          </p:cNvPr>
+          <p:cNvSpPr txBox="1"/>
+          <p:nvPr/>
+        </p:nvSpPr>
+        <p:spPr>
+          <a:xfrm>
+            <a:off x="838200" y="681037"/>
+            <a:ext cx="1877437" cy="769441"/>
+          </a:xfrm>
+          <a:prstGeom prst="rect">
+            <a:avLst/>
+          </a:prstGeom>
+          <a:noFill/>
+        </p:spPr>
+        <p:txBody>
+          <a:bodyPr wrap="none" rtlCol="0">
+            <a:spAutoFit/>
+          </a:bodyPr>
+          <a:lstStyle/>
+          <a:p>
+            <a:r>
+              <a:rPr lang="ko-KR" altLang="en-US" sz="4400" b="1" dirty="0"/>
+              <a:t>전처리</a:t>
+            </a:r>
+          </a:p>
+        </p:txBody>
+      </p:sp>
+    </p:spTree>
+    <p:extLst>
+      <p:ext uri="{BB962C8B-B14F-4D97-AF65-F5344CB8AC3E}">
+        <p14:creationId xmlns:p14="http://schemas.microsoft.com/office/powerpoint/2010/main" val="3973295922"/>
+      </p:ext>
+    </p:extLst>
+  </p:cSld>
+  <p:clrMapOvr>
+    <a:masterClrMapping/>
+  </p:clrMapOvr>
+</p:sld>
+</file>
+
+<file path=ppt/slides/slide15.xml><?xml version="1.0" encoding="utf-8"?>
+<p:sld xmlns:a="http://schemas.openxmlformats.org/drawingml/2006/main" xmlns:r="http://schemas.openxmlformats.org/officeDocument/2006/relationships" xmlns:p="http://schemas.openxmlformats.org/presentationml/2006/main">
+  <p:cSld>
+    <p:spTree>
+      <p:nvGrpSpPr>
+        <p:cNvPr id="1" name=""/>
+        <p:cNvGrpSpPr/>
+        <p:nvPr/>
+      </p:nvGrpSpPr>
+      <p:grpSpPr>
+        <a:xfrm>
+          <a:off x="0" y="0"/>
+          <a:ext cx="0" cy="0"/>
+          <a:chOff x="0" y="0"/>
+          <a:chExt cx="0" cy="0"/>
+        </a:xfrm>
+      </p:grpSpPr>
+      <p:sp>
+        <p:nvSpPr>
+          <p:cNvPr id="3" name="내용 개체 틀 2">
+            <a:extLst>
+              <a:ext uri="{FF2B5EF4-FFF2-40B4-BE49-F238E27FC236}">
+                <a16:creationId xmlns:a16="http://schemas.microsoft.com/office/drawing/2014/main" id="{0731722C-7722-F4F4-D2BE-19FAD2B9997D}"/>
+              </a:ext>
+            </a:extLst>
+          </p:cNvPr>
+          <p:cNvSpPr>
+            <a:spLocks noGrp="1"/>
+          </p:cNvSpPr>
+          <p:nvPr>
+            <p:ph idx="1"/>
+          </p:nvPr>
+        </p:nvSpPr>
+        <p:spPr>
+          <a:xfrm>
+            <a:off x="838200" y="1825625"/>
+            <a:ext cx="10515600" cy="2344039"/>
+          </a:xfrm>
+        </p:spPr>
+        <p:txBody>
+          <a:bodyPr/>
+          <a:lstStyle/>
+          <a:p>
+            <a:pPr marL="0" indent="0">
+              <a:buNone/>
+            </a:pPr>
+            <a:r>
+              <a:rPr lang="en-US" altLang="ko-KR" dirty="0" err="1"/>
+              <a:t>country_code</a:t>
+            </a:r>
+            <a:r>
+              <a:rPr lang="en-US" altLang="ko-KR" dirty="0"/>
+              <a:t>, </a:t>
+            </a:r>
+            <a:r>
+              <a:rPr lang="en-US" altLang="ko-KR" dirty="0" err="1"/>
+              <a:t>state_code</a:t>
+            </a:r>
+            <a:r>
+              <a:rPr lang="en-US" altLang="ko-KR" dirty="0"/>
+              <a:t>, </a:t>
+            </a:r>
+            <a:r>
+              <a:rPr lang="en-US" altLang="ko-KR" dirty="0" err="1"/>
+              <a:t>category_list</a:t>
+            </a:r>
+            <a:r>
+              <a:rPr lang="en-US" altLang="ko-KR" dirty="0"/>
+              <a:t>, market, </a:t>
+            </a:r>
+            <a:r>
+              <a:rPr lang="en-US" altLang="ko-KR" dirty="0" err="1"/>
+              <a:t>funding_round_type</a:t>
+            </a:r>
+            <a:r>
+              <a:rPr lang="en-US" altLang="ko-KR" dirty="0"/>
+              <a:t> </a:t>
+            </a:r>
+            <a:r>
+              <a:rPr lang="ko-KR" altLang="en-US" dirty="0"/>
+              <a:t>등은 </a:t>
+            </a:r>
+            <a:r>
+              <a:rPr lang="en-US" altLang="ko-KR" dirty="0" err="1"/>
+              <a:t>LabelEncoder</a:t>
+            </a:r>
+            <a:r>
+              <a:rPr lang="ko-KR" altLang="en-US" dirty="0"/>
+              <a:t>로 변환</a:t>
+            </a:r>
+            <a:endParaRPr lang="en-US" altLang="ko-KR" dirty="0"/>
+          </a:p>
+          <a:p>
+            <a:pPr marL="0" indent="0">
+              <a:buNone/>
+            </a:pPr>
+            <a:endParaRPr lang="en-US" altLang="ko-KR" dirty="0"/>
+          </a:p>
+          <a:p>
+            <a:pPr marL="0" indent="0">
+              <a:buNone/>
+            </a:pPr>
+            <a:r>
+              <a:rPr lang="ko-KR" altLang="en-US" dirty="0"/>
+              <a:t>타겟 변수 </a:t>
+            </a:r>
+            <a:r>
+              <a:rPr lang="en-US" altLang="ko-KR" dirty="0"/>
+              <a:t>status</a:t>
+            </a:r>
+            <a:r>
+              <a:rPr lang="ko-KR" altLang="en-US" dirty="0"/>
+              <a:t>는 </a:t>
+            </a:r>
+            <a:r>
+              <a:rPr lang="en-US" altLang="ko-KR" dirty="0"/>
+              <a:t>Closed(0), Operating(1), Acquired(2)</a:t>
+            </a:r>
+            <a:r>
+              <a:rPr lang="ko-KR" altLang="en-US" dirty="0"/>
+              <a:t>로 라벨 인코딩</a:t>
+            </a:r>
+          </a:p>
+        </p:txBody>
+      </p:sp>
+      <p:sp>
+        <p:nvSpPr>
+          <p:cNvPr id="4" name="TextBox 3">
+            <a:extLst>
+              <a:ext uri="{FF2B5EF4-FFF2-40B4-BE49-F238E27FC236}">
+                <a16:creationId xmlns:a16="http://schemas.microsoft.com/office/drawing/2014/main" id="{156513A4-9458-1DB5-BA12-7B8DC7023341}"/>
+              </a:ext>
+            </a:extLst>
+          </p:cNvPr>
+          <p:cNvSpPr txBox="1"/>
+          <p:nvPr/>
+        </p:nvSpPr>
+        <p:spPr>
+          <a:xfrm>
+            <a:off x="838200" y="681037"/>
+            <a:ext cx="5096267" cy="769441"/>
+          </a:xfrm>
+          <a:prstGeom prst="rect">
+            <a:avLst/>
+          </a:prstGeom>
+          <a:noFill/>
+        </p:spPr>
+        <p:txBody>
+          <a:bodyPr wrap="none" rtlCol="0">
+            <a:spAutoFit/>
+          </a:bodyPr>
+          <a:lstStyle/>
+          <a:p>
+            <a:r>
+              <a:rPr lang="ko-KR" altLang="en-US" sz="4400" b="1" dirty="0"/>
+              <a:t>범주형 변수 인코딩</a:t>
+            </a:r>
+          </a:p>
+        </p:txBody>
+      </p:sp>
+      <p:sp>
+        <p:nvSpPr>
+          <p:cNvPr id="6" name="TextBox 5">
+            <a:extLst>
+              <a:ext uri="{FF2B5EF4-FFF2-40B4-BE49-F238E27FC236}">
+                <a16:creationId xmlns:a16="http://schemas.microsoft.com/office/drawing/2014/main" id="{AC82BB69-1667-E154-FF1D-218011CCC33D}"/>
+              </a:ext>
+            </a:extLst>
+          </p:cNvPr>
+          <p:cNvSpPr txBox="1"/>
+          <p:nvPr/>
+        </p:nvSpPr>
+        <p:spPr>
+          <a:xfrm>
+            <a:off x="838199" y="4318634"/>
+            <a:ext cx="3204723" cy="769441"/>
+          </a:xfrm>
+          <a:prstGeom prst="rect">
+            <a:avLst/>
+          </a:prstGeom>
+          <a:noFill/>
+        </p:spPr>
+        <p:txBody>
+          <a:bodyPr wrap="none" rtlCol="0">
+            <a:spAutoFit/>
+          </a:bodyPr>
+          <a:lstStyle/>
+          <a:p>
+            <a:r>
+              <a:rPr lang="ko-KR" altLang="en-US" sz="4400" b="1" dirty="0"/>
+              <a:t>데이터 분할</a:t>
+            </a:r>
+          </a:p>
+        </p:txBody>
+      </p:sp>
+      <p:sp>
+        <p:nvSpPr>
+          <p:cNvPr id="7" name="내용 개체 틀 2">
+            <a:extLst>
+              <a:ext uri="{FF2B5EF4-FFF2-40B4-BE49-F238E27FC236}">
+                <a16:creationId xmlns:a16="http://schemas.microsoft.com/office/drawing/2014/main" id="{2CF31C9D-CD11-FAB5-17CB-26B858F60F0F}"/>
+              </a:ext>
+            </a:extLst>
+          </p:cNvPr>
+          <p:cNvSpPr txBox="1">
+            <a:spLocks/>
+          </p:cNvSpPr>
+          <p:nvPr/>
+        </p:nvSpPr>
+        <p:spPr>
+          <a:xfrm>
+            <a:off x="838199" y="5088075"/>
+            <a:ext cx="10515600" cy="1513893"/>
+          </a:xfrm>
+          <a:prstGeom prst="rect">
+            <a:avLst/>
+          </a:prstGeom>
+        </p:spPr>
+        <p:txBody>
+          <a:bodyPr vert="horz" lIns="91440" tIns="45720" rIns="91440" bIns="45720" rtlCol="0">
+            <a:normAutofit/>
+          </a:bodyPr>
+          <a:lstStyle>
+            <a:lvl1pPr marL="228600" indent="-228600" algn="l" defTabSz="914400" rtl="0" eaLnBrk="1" latinLnBrk="1" hangingPunct="1">
+              <a:lnSpc>
+                <a:spcPct val="90000"/>
+              </a:lnSpc>
+              <a:spcBef>
+                <a:spcPts val="1000"/>
+              </a:spcBef>
+              <a:buFont typeface="Arial" panose="020B0604020202020204" pitchFamily="34" charset="0"/>
+              <a:buChar char="•"/>
+              <a:defRPr sz="2800" kern="1200">
+                <a:solidFill>
+                  <a:schemeClr val="tx1"/>
+                </a:solidFill>
+                <a:latin typeface="+mn-lt"/>
+                <a:ea typeface="+mn-ea"/>
+                <a:cs typeface="+mn-cs"/>
+              </a:defRPr>
+            </a:lvl1pPr>
+            <a:lvl2pPr marL="685800" indent="-228600" algn="l" defTabSz="914400" rtl="0" eaLnBrk="1" latinLnBrk="1" hangingPunct="1">
+              <a:lnSpc>
+                <a:spcPct val="90000"/>
+              </a:lnSpc>
+              <a:spcBef>
+                <a:spcPts val="500"/>
+              </a:spcBef>
+              <a:buFont typeface="Arial" panose="020B0604020202020204" pitchFamily="34" charset="0"/>
+              <a:buChar char="•"/>
+              <a:defRPr sz="2400" kern="1200">
+                <a:solidFill>
+                  <a:schemeClr val="tx1"/>
+                </a:solidFill>
+                <a:latin typeface="+mn-lt"/>
+                <a:ea typeface="+mn-ea"/>
+                <a:cs typeface="+mn-cs"/>
+              </a:defRPr>
+            </a:lvl2pPr>
+            <a:lvl3pPr marL="1143000" indent="-228600" algn="l" defTabSz="914400" rtl="0" eaLnBrk="1" latinLnBrk="1" hangingPunct="1">
+              <a:lnSpc>
+                <a:spcPct val="90000"/>
+              </a:lnSpc>
+              <a:spcBef>
+                <a:spcPts val="500"/>
+              </a:spcBef>
+              <a:buFont typeface="Arial" panose="020B0604020202020204" pitchFamily="34" charset="0"/>
+              <a:buChar char="•"/>
+              <a:defRPr sz="2000" kern="1200">
+                <a:solidFill>
+                  <a:schemeClr val="tx1"/>
+                </a:solidFill>
+                <a:latin typeface="+mn-lt"/>
+                <a:ea typeface="+mn-ea"/>
+                <a:cs typeface="+mn-cs"/>
+              </a:defRPr>
+            </a:lvl3pPr>
+            <a:lvl4pPr marL="1600200" indent="-228600" algn="l" defTabSz="914400" rtl="0" eaLnBrk="1" latinLnBrk="1" hangingPunct="1">
+              <a:lnSpc>
+                <a:spcPct val="90000"/>
+              </a:lnSpc>
+              <a:spcBef>
+                <a:spcPts val="500"/>
+              </a:spcBef>
+              <a:buFont typeface="Arial" panose="020B0604020202020204" pitchFamily="34" charset="0"/>
+              <a:buChar char="•"/>
+              <a:defRPr sz="1800" kern="1200">
+                <a:solidFill>
+                  <a:schemeClr val="tx1"/>
+                </a:solidFill>
+                <a:latin typeface="+mn-lt"/>
+                <a:ea typeface="+mn-ea"/>
+                <a:cs typeface="+mn-cs"/>
+              </a:defRPr>
+            </a:lvl4pPr>
+            <a:lvl5pPr marL="2057400" indent="-228600" algn="l" defTabSz="914400" rtl="0" eaLnBrk="1" latinLnBrk="1" hangingPunct="1">
+              <a:lnSpc>
+                <a:spcPct val="90000"/>
+              </a:lnSpc>
+              <a:spcBef>
+                <a:spcPts val="500"/>
+              </a:spcBef>
+              <a:buFont typeface="Arial" panose="020B0604020202020204" pitchFamily="34" charset="0"/>
+              <a:buChar char="•"/>
+              <a:defRPr sz="1800" kern="1200">
+                <a:solidFill>
+                  <a:schemeClr val="tx1"/>
+                </a:solidFill>
+                <a:latin typeface="+mn-lt"/>
+                <a:ea typeface="+mn-ea"/>
+                <a:cs typeface="+mn-cs"/>
+              </a:defRPr>
+            </a:lvl5pPr>
+            <a:lvl6pPr marL="2514600" indent="-228600" algn="l" defTabSz="914400" rtl="0" eaLnBrk="1" latinLnBrk="1" hangingPunct="1">
+              <a:lnSpc>
+                <a:spcPct val="90000"/>
+              </a:lnSpc>
+              <a:spcBef>
+                <a:spcPts val="500"/>
+              </a:spcBef>
+              <a:buFont typeface="Arial" panose="020B0604020202020204" pitchFamily="34" charset="0"/>
+              <a:buChar char="•"/>
+              <a:defRPr sz="1800" kern="1200">
+                <a:solidFill>
+                  <a:schemeClr val="tx1"/>
+                </a:solidFill>
+                <a:latin typeface="+mn-lt"/>
+                <a:ea typeface="+mn-ea"/>
+                <a:cs typeface="+mn-cs"/>
+              </a:defRPr>
+            </a:lvl6pPr>
+            <a:lvl7pPr marL="2971800" indent="-228600" algn="l" defTabSz="914400" rtl="0" eaLnBrk="1" latinLnBrk="1" hangingPunct="1">
+              <a:lnSpc>
+                <a:spcPct val="90000"/>
+              </a:lnSpc>
+              <a:spcBef>
+                <a:spcPts val="500"/>
+              </a:spcBef>
+              <a:buFont typeface="Arial" panose="020B0604020202020204" pitchFamily="34" charset="0"/>
+              <a:buChar char="•"/>
+              <a:defRPr sz="1800" kern="1200">
+                <a:solidFill>
+                  <a:schemeClr val="tx1"/>
+                </a:solidFill>
+                <a:latin typeface="+mn-lt"/>
+                <a:ea typeface="+mn-ea"/>
+                <a:cs typeface="+mn-cs"/>
+              </a:defRPr>
+            </a:lvl7pPr>
+            <a:lvl8pPr marL="3429000" indent="-228600" algn="l" defTabSz="914400" rtl="0" eaLnBrk="1" latinLnBrk="1" hangingPunct="1">
+              <a:lnSpc>
+                <a:spcPct val="90000"/>
+              </a:lnSpc>
+              <a:spcBef>
+                <a:spcPts val="500"/>
+              </a:spcBef>
+              <a:buFont typeface="Arial" panose="020B0604020202020204" pitchFamily="34" charset="0"/>
+              <a:buChar char="•"/>
+              <a:defRPr sz="1800" kern="1200">
+                <a:solidFill>
+                  <a:schemeClr val="tx1"/>
+                </a:solidFill>
+                <a:latin typeface="+mn-lt"/>
+                <a:ea typeface="+mn-ea"/>
+                <a:cs typeface="+mn-cs"/>
+              </a:defRPr>
+            </a:lvl8pPr>
+            <a:lvl9pPr marL="3886200" indent="-228600" algn="l" defTabSz="914400" rtl="0" eaLnBrk="1" latinLnBrk="1" hangingPunct="1">
+              <a:lnSpc>
+                <a:spcPct val="90000"/>
+              </a:lnSpc>
+              <a:spcBef>
+                <a:spcPts val="500"/>
+              </a:spcBef>
+              <a:buFont typeface="Arial" panose="020B0604020202020204" pitchFamily="34" charset="0"/>
+              <a:buChar char="•"/>
+              <a:defRPr sz="1800" kern="1200">
+                <a:solidFill>
+                  <a:schemeClr val="tx1"/>
+                </a:solidFill>
+                <a:latin typeface="+mn-lt"/>
+                <a:ea typeface="+mn-ea"/>
+                <a:cs typeface="+mn-cs"/>
+              </a:defRPr>
+            </a:lvl9pPr>
+          </a:lstStyle>
+          <a:p>
+            <a:pPr marL="0" indent="0">
+              <a:buFont typeface="Arial" panose="020B0604020202020204" pitchFamily="34" charset="0"/>
+              <a:buNone/>
+            </a:pPr>
+            <a:endParaRPr lang="ko-KR" altLang="en-US" dirty="0"/>
+          </a:p>
+        </p:txBody>
+      </p:sp>
+      <p:sp>
+        <p:nvSpPr>
+          <p:cNvPr id="9" name="TextBox 8">
+            <a:extLst>
+              <a:ext uri="{FF2B5EF4-FFF2-40B4-BE49-F238E27FC236}">
+                <a16:creationId xmlns:a16="http://schemas.microsoft.com/office/drawing/2014/main" id="{85348FD0-3282-05FA-42DA-768180D2DDDA}"/>
+              </a:ext>
+            </a:extLst>
+          </p:cNvPr>
+          <p:cNvSpPr txBox="1"/>
+          <p:nvPr/>
+        </p:nvSpPr>
+        <p:spPr>
+          <a:xfrm>
+            <a:off x="920495" y="5483266"/>
+            <a:ext cx="10920234" cy="523220"/>
+          </a:xfrm>
+          <a:prstGeom prst="rect">
+            <a:avLst/>
+          </a:prstGeom>
+          <a:noFill/>
+        </p:spPr>
+        <p:txBody>
+          <a:bodyPr wrap="none" rtlCol="0">
+            <a:spAutoFit/>
+          </a:bodyPr>
+          <a:lstStyle/>
+          <a:p>
+            <a:r>
+              <a:rPr lang="en-US" altLang="ko-KR" sz="2800" dirty="0" err="1"/>
+              <a:t>train_test_split</a:t>
+            </a:r>
+            <a:r>
+              <a:rPr lang="ko-KR" altLang="en-US" sz="2800" dirty="0"/>
+              <a:t>을 사용하여 학습용</a:t>
+            </a:r>
+            <a:r>
+              <a:rPr lang="en-US" altLang="ko-KR" sz="2800" dirty="0"/>
+              <a:t>(70%)</a:t>
+            </a:r>
+            <a:r>
+              <a:rPr lang="ko-KR" altLang="en-US" sz="2800" dirty="0"/>
+              <a:t>과 테스트용</a:t>
+            </a:r>
+            <a:r>
+              <a:rPr lang="en-US" altLang="ko-KR" sz="2800" dirty="0"/>
+              <a:t>(30%)</a:t>
+            </a:r>
+            <a:r>
+              <a:rPr lang="ko-KR" altLang="en-US" sz="2800" dirty="0"/>
+              <a:t>으로 분할</a:t>
+            </a:r>
+            <a:endParaRPr lang="en-US" altLang="ko-KR" sz="2800" dirty="0"/>
+          </a:p>
+        </p:txBody>
+      </p:sp>
+    </p:spTree>
+    <p:extLst>
+      <p:ext uri="{BB962C8B-B14F-4D97-AF65-F5344CB8AC3E}">
+        <p14:creationId xmlns:p14="http://schemas.microsoft.com/office/powerpoint/2010/main" val="2340850161"/>
+      </p:ext>
+    </p:extLst>
+  </p:cSld>
+  <p:clrMapOvr>
+    <a:masterClrMapping/>
+  </p:clrMapOvr>
+</p:sld>
+</file>
+
+<file path=ppt/slides/slide16.xml><?xml version="1.0" encoding="utf-8"?>
+<p:sld xmlns:a="http://schemas.openxmlformats.org/drawingml/2006/main" xmlns:r="http://schemas.openxmlformats.org/officeDocument/2006/relationships" xmlns:p="http://schemas.openxmlformats.org/presentationml/2006/main">
+  <p:cSld>
+    <p:spTree>
+      <p:nvGrpSpPr>
+        <p:cNvPr id="1" name=""/>
+        <p:cNvGrpSpPr/>
+        <p:nvPr/>
+      </p:nvGrpSpPr>
+      <p:grpSpPr>
+        <a:xfrm>
+          <a:off x="0" y="0"/>
+          <a:ext cx="0" cy="0"/>
+          <a:chOff x="0" y="0"/>
+          <a:chExt cx="0" cy="0"/>
+        </a:xfrm>
+      </p:grpSpPr>
+      <p:sp>
+        <p:nvSpPr>
+          <p:cNvPr id="2" name="제목 1">
+            <a:extLst>
+              <a:ext uri="{FF2B5EF4-FFF2-40B4-BE49-F238E27FC236}">
+                <a16:creationId xmlns:a16="http://schemas.microsoft.com/office/drawing/2014/main" id="{092D94A0-484D-2B92-3237-B80E646A150E}"/>
+              </a:ext>
+            </a:extLst>
+          </p:cNvPr>
+          <p:cNvSpPr>
+            <a:spLocks noGrp="1"/>
+          </p:cNvSpPr>
+          <p:nvPr>
+            <p:ph type="title"/>
+          </p:nvPr>
+        </p:nvSpPr>
+        <p:spPr/>
+        <p:txBody>
+          <a:bodyPr/>
+          <a:lstStyle/>
+          <a:p>
+            <a:r>
+              <a:rPr lang="ko-KR" altLang="en-US" b="1" i="0" dirty="0">
+                <a:solidFill>
+                  <a:srgbClr val="1F1F1F"/>
+                </a:solidFill>
+                <a:effectLst/>
+                <a:latin typeface="Google Sans Text"/>
+              </a:rPr>
+              <a:t>모델 및 훈련</a:t>
+            </a:r>
+            <a:endParaRPr lang="ko-KR" altLang="en-US" dirty="0"/>
+          </a:p>
+        </p:txBody>
+      </p:sp>
+      <p:sp>
+        <p:nvSpPr>
+          <p:cNvPr id="3" name="내용 개체 틀 2">
+            <a:extLst>
+              <a:ext uri="{FF2B5EF4-FFF2-40B4-BE49-F238E27FC236}">
+                <a16:creationId xmlns:a16="http://schemas.microsoft.com/office/drawing/2014/main" id="{3125C1F0-5743-96FC-C963-E0CBC4D755C4}"/>
+              </a:ext>
+            </a:extLst>
+          </p:cNvPr>
+          <p:cNvSpPr>
+            <a:spLocks noGrp="1"/>
+          </p:cNvSpPr>
+          <p:nvPr>
+            <p:ph idx="1"/>
+          </p:nvPr>
+        </p:nvSpPr>
+        <p:spPr/>
+        <p:txBody>
+          <a:bodyPr/>
+          <a:lstStyle/>
+          <a:p>
+            <a:pPr marL="0" indent="0">
+              <a:buNone/>
+            </a:pPr>
+            <a:r>
+              <a:rPr lang="en-US" altLang="ko-KR" dirty="0" err="1"/>
+              <a:t>DecisionTreeClassifier</a:t>
+            </a:r>
+            <a:r>
+              <a:rPr lang="en-US" altLang="ko-KR" dirty="0"/>
+              <a:t>, </a:t>
+            </a:r>
+            <a:r>
+              <a:rPr lang="en-US" altLang="ko-KR" dirty="0" err="1"/>
+              <a:t>RandomForestClassifier</a:t>
+            </a:r>
+            <a:r>
+              <a:rPr lang="en-US" altLang="ko-KR" dirty="0"/>
+              <a:t>, </a:t>
+            </a:r>
+            <a:r>
+              <a:rPr lang="en-US" altLang="ko-KR" dirty="0" err="1"/>
+              <a:t>XGBoostClassifier</a:t>
+            </a:r>
+            <a:r>
+              <a:rPr lang="ko-KR" altLang="en-US" dirty="0"/>
+              <a:t>의 트리 기반 모델 사용</a:t>
+            </a:r>
+            <a:endParaRPr lang="en-US" altLang="ko-KR" dirty="0"/>
+          </a:p>
+          <a:p>
+            <a:pPr marL="0" indent="0">
+              <a:buNone/>
+            </a:pPr>
+            <a:endParaRPr lang="en-US" altLang="ko-KR" dirty="0"/>
+          </a:p>
+          <a:p>
+            <a:pPr marL="0" indent="0">
+              <a:buNone/>
+            </a:pPr>
+            <a:r>
+              <a:rPr lang="ko-KR" altLang="en-US" dirty="0"/>
+              <a:t>클래스 불균형 해소를 위해 </a:t>
+            </a:r>
+            <a:r>
+              <a:rPr lang="en-US" altLang="ko-KR" dirty="0"/>
+              <a:t>SMOTE </a:t>
+            </a:r>
+            <a:r>
+              <a:rPr lang="ko-KR" altLang="en-US" dirty="0"/>
+              <a:t>적용하여</a:t>
+            </a:r>
+            <a:endParaRPr lang="en-US" altLang="ko-KR" dirty="0"/>
+          </a:p>
+          <a:p>
+            <a:pPr marL="0" indent="0">
+              <a:buNone/>
+            </a:pPr>
+            <a:r>
+              <a:rPr lang="ko-KR" altLang="en-US" dirty="0"/>
+              <a:t>소수 클래스 데이터 증강</a:t>
+            </a:r>
+            <a:endParaRPr lang="en-US" altLang="ko-KR" dirty="0"/>
+          </a:p>
+          <a:p>
+            <a:pPr marL="0" indent="0">
+              <a:buNone/>
+            </a:pPr>
+            <a:endParaRPr lang="en-US" altLang="ko-KR" dirty="0"/>
+          </a:p>
+          <a:p>
+            <a:pPr marL="0" indent="0">
+              <a:buNone/>
+            </a:pPr>
+            <a:r>
+              <a:rPr lang="ko-KR" altLang="en-US" b="0" i="0" dirty="0">
+                <a:solidFill>
+                  <a:srgbClr val="1F1F1F"/>
+                </a:solidFill>
+                <a:effectLst/>
+                <a:latin typeface="Google Sans Text"/>
+              </a:rPr>
+              <a:t>모델 학습 및 평가에는 정확도</a:t>
+            </a:r>
+            <a:r>
+              <a:rPr lang="en-US" altLang="ko-KR" b="0" i="0" dirty="0">
+                <a:solidFill>
+                  <a:srgbClr val="1F1F1F"/>
+                </a:solidFill>
+                <a:effectLst/>
+                <a:latin typeface="Google Sans Text"/>
+              </a:rPr>
+              <a:t>(Accuracy), Precision, Recall, F1-score </a:t>
+            </a:r>
+            <a:r>
+              <a:rPr lang="ko-KR" altLang="en-US" b="0" i="0" dirty="0">
+                <a:solidFill>
+                  <a:srgbClr val="1F1F1F"/>
+                </a:solidFill>
+                <a:effectLst/>
+                <a:latin typeface="Google Sans Text"/>
+              </a:rPr>
+              <a:t>등 지표 활용</a:t>
+            </a:r>
+            <a:endParaRPr lang="ko-KR" altLang="en-US" dirty="0"/>
+          </a:p>
+        </p:txBody>
+      </p:sp>
+    </p:spTree>
+    <p:extLst>
+      <p:ext uri="{BB962C8B-B14F-4D97-AF65-F5344CB8AC3E}">
+        <p14:creationId xmlns:p14="http://schemas.microsoft.com/office/powerpoint/2010/main" val="997412291"/>
+      </p:ext>
+    </p:extLst>
+  </p:cSld>
+  <p:clrMapOvr>
+    <a:masterClrMapping/>
+  </p:clrMapOvr>
+</p:sld>
+</file>
+
+<file path=ppt/slides/slide17.xml><?xml version="1.0" encoding="utf-8"?>
+<p:sld xmlns:a="http://schemas.openxmlformats.org/drawingml/2006/main" xmlns:r="http://schemas.openxmlformats.org/officeDocument/2006/relationships" xmlns:p="http://schemas.openxmlformats.org/presentationml/2006/main">
+  <p:cSld>
+    <p:spTree>
+      <p:nvGrpSpPr>
+        <p:cNvPr id="1" name=""/>
+        <p:cNvGrpSpPr/>
+        <p:nvPr/>
+      </p:nvGrpSpPr>
+      <p:grpSpPr>
+        <a:xfrm>
+          <a:off x="0" y="0"/>
+          <a:ext cx="0" cy="0"/>
+          <a:chOff x="0" y="0"/>
+          <a:chExt cx="0" cy="0"/>
+        </a:xfrm>
+      </p:grpSpPr>
+      <p:sp>
+        <p:nvSpPr>
+          <p:cNvPr id="2" name="제목 1">
+            <a:extLst>
+              <a:ext uri="{FF2B5EF4-FFF2-40B4-BE49-F238E27FC236}">
+                <a16:creationId xmlns:a16="http://schemas.microsoft.com/office/drawing/2014/main" id="{31E30747-CABC-B4AA-0DDA-08007EFB0FBD}"/>
+              </a:ext>
+            </a:extLst>
+          </p:cNvPr>
+          <p:cNvSpPr>
+            <a:spLocks noGrp="1"/>
+          </p:cNvSpPr>
+          <p:nvPr>
+            <p:ph type="title"/>
+          </p:nvPr>
+        </p:nvSpPr>
+        <p:spPr/>
+        <p:txBody>
+          <a:bodyPr/>
+          <a:lstStyle/>
+          <a:p>
+            <a:r>
+              <a:rPr lang="ko-KR" altLang="en-US" b="1" dirty="0"/>
+              <a:t>결과</a:t>
+            </a:r>
+          </a:p>
+        </p:txBody>
+      </p:sp>
+      <p:sp>
+        <p:nvSpPr>
+          <p:cNvPr id="3" name="내용 개체 틀 2">
+            <a:extLst>
+              <a:ext uri="{FF2B5EF4-FFF2-40B4-BE49-F238E27FC236}">
+                <a16:creationId xmlns:a16="http://schemas.microsoft.com/office/drawing/2014/main" id="{E09B5E12-E8ED-65D6-62A3-0DBF6497073F}"/>
+              </a:ext>
+            </a:extLst>
+          </p:cNvPr>
+          <p:cNvSpPr>
+            <a:spLocks noGrp="1"/>
+          </p:cNvSpPr>
+          <p:nvPr>
+            <p:ph idx="1"/>
+          </p:nvPr>
+        </p:nvSpPr>
+        <p:spPr>
+          <a:xfrm>
+            <a:off x="838200" y="1624457"/>
+            <a:ext cx="10515600" cy="4667250"/>
+          </a:xfrm>
+        </p:spPr>
+        <p:txBody>
+          <a:bodyPr>
+            <a:noAutofit/>
+          </a:bodyPr>
+          <a:lstStyle/>
+          <a:p>
+            <a:pPr marL="0" indent="0" algn="l">
+              <a:spcBef>
+                <a:spcPts val="600"/>
+              </a:spcBef>
+              <a:spcAft>
+                <a:spcPts val="600"/>
+              </a:spcAft>
+              <a:buNone/>
+            </a:pPr>
+            <a:r>
+              <a:rPr lang="en-US" altLang="ko-KR" b="1" i="0" dirty="0">
+                <a:solidFill>
+                  <a:srgbClr val="1F1F1F"/>
+                </a:solidFill>
+                <a:effectLst/>
+              </a:rPr>
+              <a:t>Decision Tree</a:t>
+            </a:r>
+            <a:r>
+              <a:rPr lang="en-US" altLang="ko-KR" b="0" i="0" dirty="0">
+                <a:solidFill>
+                  <a:srgbClr val="1F1F1F"/>
+                </a:solidFill>
+                <a:effectLst/>
+              </a:rPr>
+              <a:t>:</a:t>
+            </a:r>
+          </a:p>
+          <a:p>
+            <a:pPr marL="0" indent="0" algn="l">
+              <a:spcBef>
+                <a:spcPts val="600"/>
+              </a:spcBef>
+              <a:spcAft>
+                <a:spcPts val="600"/>
+              </a:spcAft>
+              <a:buNone/>
+            </a:pPr>
+            <a:r>
+              <a:rPr lang="en-US" altLang="ko-KR" sz="2400" b="0" i="0" dirty="0">
+                <a:solidFill>
+                  <a:srgbClr val="1F1F1F"/>
+                </a:solidFill>
+                <a:effectLst/>
+              </a:rPr>
+              <a:t>Operating </a:t>
+            </a:r>
+            <a:r>
+              <a:rPr lang="ko-KR" altLang="en-US" sz="2400" b="0" i="0" dirty="0">
+                <a:solidFill>
+                  <a:srgbClr val="1F1F1F"/>
+                </a:solidFill>
+                <a:effectLst/>
+              </a:rPr>
+              <a:t>클래스 예측에는 강했지만</a:t>
+            </a:r>
+            <a:r>
+              <a:rPr lang="en-US" altLang="ko-KR" sz="2400" b="0" i="0" dirty="0">
+                <a:solidFill>
+                  <a:srgbClr val="1F1F1F"/>
+                </a:solidFill>
+                <a:effectLst/>
+              </a:rPr>
+              <a:t>, Closed</a:t>
+            </a:r>
+            <a:r>
+              <a:rPr lang="ko-KR" altLang="en-US" sz="2400" b="0" i="0" dirty="0">
+                <a:solidFill>
+                  <a:srgbClr val="1F1F1F"/>
+                </a:solidFill>
+                <a:effectLst/>
+              </a:rPr>
+              <a:t>와 </a:t>
+            </a:r>
+            <a:r>
+              <a:rPr lang="en-US" altLang="ko-KR" sz="2400" b="0" i="0" dirty="0">
+                <a:solidFill>
+                  <a:srgbClr val="1F1F1F"/>
+                </a:solidFill>
+                <a:effectLst/>
+              </a:rPr>
+              <a:t>Acquired </a:t>
+            </a:r>
+            <a:r>
+              <a:rPr lang="ko-KR" altLang="en-US" sz="2400" b="0" i="0" dirty="0">
+                <a:solidFill>
+                  <a:srgbClr val="1F1F1F"/>
+                </a:solidFill>
+                <a:effectLst/>
+              </a:rPr>
+              <a:t>클래스는 전혀 예측하지 못하며 클래스 불균형에 매우 취약함을 보임</a:t>
+            </a:r>
+            <a:endParaRPr lang="en-US" altLang="ko-KR" sz="2400" b="0" i="0" dirty="0">
+              <a:solidFill>
+                <a:srgbClr val="1F1F1F"/>
+              </a:solidFill>
+              <a:effectLst/>
+            </a:endParaRPr>
+          </a:p>
+          <a:p>
+            <a:pPr marL="0" indent="0" algn="l">
+              <a:spcBef>
+                <a:spcPts val="600"/>
+              </a:spcBef>
+              <a:spcAft>
+                <a:spcPts val="600"/>
+              </a:spcAft>
+              <a:buNone/>
+            </a:pPr>
+            <a:r>
+              <a:rPr lang="en-US" altLang="ko-KR" b="1" i="0" dirty="0">
+                <a:solidFill>
+                  <a:srgbClr val="1F1F1F"/>
+                </a:solidFill>
+                <a:effectLst/>
+              </a:rPr>
+              <a:t>Random Forest</a:t>
+            </a:r>
+            <a:r>
+              <a:rPr lang="en-US" altLang="ko-KR" b="0" i="0" dirty="0">
+                <a:solidFill>
+                  <a:srgbClr val="1F1F1F"/>
+                </a:solidFill>
+                <a:effectLst/>
+              </a:rPr>
+              <a:t>:</a:t>
+            </a:r>
+          </a:p>
+          <a:p>
+            <a:pPr marL="0" indent="0" algn="l">
+              <a:spcBef>
+                <a:spcPts val="600"/>
+              </a:spcBef>
+              <a:spcAft>
+                <a:spcPts val="600"/>
+              </a:spcAft>
+              <a:buNone/>
+            </a:pPr>
+            <a:r>
+              <a:rPr lang="en-US" altLang="ko-KR" sz="2400" b="0" i="0" dirty="0">
+                <a:solidFill>
+                  <a:srgbClr val="1F1F1F"/>
+                </a:solidFill>
+                <a:effectLst/>
+              </a:rPr>
+              <a:t>Operating </a:t>
+            </a:r>
+            <a:r>
+              <a:rPr lang="ko-KR" altLang="en-US" sz="2400" b="0" i="0" dirty="0">
+                <a:solidFill>
+                  <a:srgbClr val="1F1F1F"/>
+                </a:solidFill>
+                <a:effectLst/>
+              </a:rPr>
+              <a:t>클래스에서 높은 성능을 유지했으나</a:t>
+            </a:r>
+            <a:r>
+              <a:rPr lang="en-US" altLang="ko-KR" sz="2400" b="0" i="0" dirty="0">
+                <a:solidFill>
+                  <a:srgbClr val="1F1F1F"/>
+                </a:solidFill>
+                <a:effectLst/>
+              </a:rPr>
+              <a:t>, Acquired </a:t>
+            </a:r>
+            <a:r>
+              <a:rPr lang="ko-KR" altLang="en-US" sz="2400" b="0" i="0" dirty="0">
+                <a:solidFill>
+                  <a:srgbClr val="1F1F1F"/>
+                </a:solidFill>
+                <a:effectLst/>
+              </a:rPr>
+              <a:t>및 </a:t>
+            </a:r>
+            <a:r>
+              <a:rPr lang="en-US" altLang="ko-KR" sz="2400" b="0" i="0" dirty="0">
+                <a:solidFill>
+                  <a:srgbClr val="1F1F1F"/>
+                </a:solidFill>
+                <a:effectLst/>
+              </a:rPr>
+              <a:t>Closed </a:t>
+            </a:r>
+            <a:r>
+              <a:rPr lang="ko-KR" altLang="en-US" sz="2400" b="0" i="0" dirty="0">
+                <a:solidFill>
+                  <a:srgbClr val="1F1F1F"/>
+                </a:solidFill>
+                <a:effectLst/>
+              </a:rPr>
+              <a:t>클래스 예측은 여전히 미흡</a:t>
+            </a:r>
+            <a:endParaRPr lang="en-US" altLang="ko-KR" sz="2400" b="0" i="0" dirty="0">
+              <a:solidFill>
+                <a:srgbClr val="1F1F1F"/>
+              </a:solidFill>
+              <a:effectLst/>
+            </a:endParaRPr>
+          </a:p>
+          <a:p>
+            <a:pPr marL="0" indent="0" algn="l">
+              <a:spcBef>
+                <a:spcPts val="600"/>
+              </a:spcBef>
+              <a:spcAft>
+                <a:spcPts val="600"/>
+              </a:spcAft>
+              <a:buNone/>
+            </a:pPr>
+            <a:r>
+              <a:rPr lang="en-US" altLang="ko-KR" b="1" i="0" dirty="0" err="1">
+                <a:solidFill>
+                  <a:srgbClr val="1F1F1F"/>
+                </a:solidFill>
+                <a:effectLst/>
+              </a:rPr>
+              <a:t>XGBoost</a:t>
+            </a:r>
+            <a:r>
+              <a:rPr lang="en-US" altLang="ko-KR" b="0" i="0" dirty="0">
+                <a:solidFill>
+                  <a:srgbClr val="1F1F1F"/>
+                </a:solidFill>
+                <a:effectLst/>
+              </a:rPr>
+              <a:t>:</a:t>
+            </a:r>
+          </a:p>
+          <a:p>
+            <a:pPr marL="0" indent="0" algn="l">
+              <a:spcBef>
+                <a:spcPts val="600"/>
+              </a:spcBef>
+              <a:spcAft>
+                <a:spcPts val="600"/>
+              </a:spcAft>
+              <a:buNone/>
+            </a:pPr>
+            <a:r>
+              <a:rPr lang="en-US" altLang="ko-KR" sz="2400" b="0" i="0" dirty="0">
+                <a:solidFill>
+                  <a:srgbClr val="1F1F1F"/>
+                </a:solidFill>
+                <a:effectLst/>
+              </a:rPr>
+              <a:t>Closed</a:t>
+            </a:r>
+            <a:r>
+              <a:rPr lang="ko-KR" altLang="en-US" sz="2400" b="0" i="0" dirty="0">
+                <a:solidFill>
+                  <a:srgbClr val="1F1F1F"/>
+                </a:solidFill>
+                <a:effectLst/>
+              </a:rPr>
+              <a:t>와 </a:t>
+            </a:r>
+            <a:r>
+              <a:rPr lang="en-US" altLang="ko-KR" sz="2400" b="0" i="0" dirty="0">
+                <a:solidFill>
+                  <a:srgbClr val="1F1F1F"/>
+                </a:solidFill>
+                <a:effectLst/>
+              </a:rPr>
+              <a:t>Acquired</a:t>
+            </a:r>
+            <a:r>
+              <a:rPr lang="ko-KR" altLang="en-US" sz="2400" b="0" i="0" dirty="0">
+                <a:solidFill>
+                  <a:srgbClr val="1F1F1F"/>
+                </a:solidFill>
+                <a:effectLst/>
+              </a:rPr>
+              <a:t>클래스의 </a:t>
+            </a:r>
+            <a:r>
+              <a:rPr lang="en-US" altLang="ko-KR" sz="2400" b="0" i="0" dirty="0">
+                <a:solidFill>
+                  <a:srgbClr val="1F1F1F"/>
+                </a:solidFill>
+                <a:effectLst/>
+              </a:rPr>
+              <a:t>F1-score</a:t>
+            </a:r>
+            <a:r>
+              <a:rPr lang="ko-KR" altLang="en-US" sz="2400" b="0" i="0" dirty="0">
+                <a:solidFill>
+                  <a:srgbClr val="1F1F1F"/>
+                </a:solidFill>
+                <a:effectLst/>
+              </a:rPr>
+              <a:t>가 다른 모델 대비 유의미하게 개선</a:t>
+            </a:r>
+            <a:endParaRPr lang="en-US" altLang="ko-KR" sz="2400" dirty="0">
+              <a:solidFill>
+                <a:srgbClr val="1F1F1F"/>
+              </a:solidFill>
+            </a:endParaRPr>
+          </a:p>
+          <a:p>
+            <a:pPr marL="0" indent="0" algn="l">
+              <a:spcBef>
+                <a:spcPts val="600"/>
+              </a:spcBef>
+              <a:spcAft>
+                <a:spcPts val="600"/>
+              </a:spcAft>
+              <a:buNone/>
+            </a:pPr>
+            <a:r>
+              <a:rPr lang="en-US" altLang="ko-KR" sz="2400" b="0" i="0" dirty="0">
+                <a:solidFill>
+                  <a:srgbClr val="1F1F1F"/>
+                </a:solidFill>
+                <a:effectLst/>
+              </a:rPr>
+              <a:t>Operating </a:t>
+            </a:r>
+            <a:r>
+              <a:rPr lang="ko-KR" altLang="en-US" sz="2400" b="0" i="0" dirty="0">
+                <a:solidFill>
+                  <a:srgbClr val="1F1F1F"/>
+                </a:solidFill>
+                <a:effectLst/>
+              </a:rPr>
+              <a:t>클래스 </a:t>
+            </a:r>
+            <a:r>
+              <a:rPr lang="en-US" altLang="ko-KR" sz="2400" b="0" i="0" dirty="0">
+                <a:solidFill>
+                  <a:srgbClr val="1F1F1F"/>
+                </a:solidFill>
+                <a:effectLst/>
+              </a:rPr>
+              <a:t>F1-score</a:t>
+            </a:r>
+            <a:r>
+              <a:rPr lang="ko-KR" altLang="en-US" sz="2400" b="0" i="0" dirty="0">
+                <a:solidFill>
+                  <a:srgbClr val="1F1F1F"/>
+                </a:solidFill>
+                <a:effectLst/>
+              </a:rPr>
+              <a:t>는 다소 감소했지만</a:t>
+            </a:r>
+            <a:r>
+              <a:rPr lang="en-US" altLang="ko-KR" sz="2400" b="0" i="0" dirty="0">
+                <a:solidFill>
+                  <a:srgbClr val="1F1F1F"/>
+                </a:solidFill>
+                <a:effectLst/>
+              </a:rPr>
+              <a:t>, </a:t>
+            </a:r>
+            <a:r>
+              <a:rPr lang="ko-KR" altLang="en-US" sz="2400" b="0" i="0" dirty="0">
+                <a:solidFill>
+                  <a:srgbClr val="1F1F1F"/>
+                </a:solidFill>
+                <a:effectLst/>
+              </a:rPr>
+              <a:t>전반적으로 클래스 간 예측 성능 균형을 가장 잘 확보함</a:t>
+            </a:r>
+            <a:endParaRPr lang="en-US" altLang="ko-KR" sz="2400" b="0" i="0" dirty="0">
+              <a:solidFill>
+                <a:srgbClr val="1F1F1F"/>
+              </a:solidFill>
+              <a:effectLst/>
+            </a:endParaRPr>
+          </a:p>
+          <a:p>
+            <a:pPr marL="0" indent="0" algn="l">
+              <a:spcBef>
+                <a:spcPts val="600"/>
+              </a:spcBef>
+              <a:spcAft>
+                <a:spcPts val="600"/>
+              </a:spcAft>
+              <a:buNone/>
+            </a:pPr>
+            <a:r>
+              <a:rPr lang="ko-KR" altLang="en-US" sz="2400" b="0" i="0" dirty="0">
+                <a:solidFill>
+                  <a:srgbClr val="1F1F1F"/>
+                </a:solidFill>
+                <a:effectLst/>
+              </a:rPr>
+              <a:t>투자 회수 성공</a:t>
+            </a:r>
+            <a:r>
+              <a:rPr lang="en-US" altLang="ko-KR" sz="2400" dirty="0">
+                <a:solidFill>
+                  <a:srgbClr val="1F1F1F"/>
+                </a:solidFill>
+              </a:rPr>
+              <a:t> </a:t>
+            </a:r>
+            <a:r>
+              <a:rPr lang="ko-KR" altLang="en-US" sz="2400" b="0" i="0" dirty="0">
+                <a:solidFill>
+                  <a:srgbClr val="1F1F1F"/>
+                </a:solidFill>
+                <a:effectLst/>
+              </a:rPr>
+              <a:t>예측력 향상에 가장 효과적인 모델이었음</a:t>
+            </a:r>
+            <a:endParaRPr lang="en-US" altLang="ko-KR" sz="2400" b="0" i="0" dirty="0">
+              <a:solidFill>
+                <a:srgbClr val="1F1F1F"/>
+              </a:solidFill>
+              <a:effectLst/>
+            </a:endParaRPr>
+          </a:p>
+          <a:p>
+            <a:pPr marL="0" indent="0">
+              <a:buNone/>
+            </a:pPr>
+            <a:endParaRPr lang="ko-KR" altLang="en-US" dirty="0"/>
+          </a:p>
+        </p:txBody>
+      </p:sp>
+    </p:spTree>
+    <p:extLst>
+      <p:ext uri="{BB962C8B-B14F-4D97-AF65-F5344CB8AC3E}">
+        <p14:creationId xmlns:p14="http://schemas.microsoft.com/office/powerpoint/2010/main" val="1500679306"/>
       </p:ext>
     </p:extLst>
   </p:cSld>
